--- a/angular-share/素材PPT素材.pptx
+++ b/angular-share/素材PPT素材.pptx
@@ -5,10 +5,10 @@
     <p:sldMasterId id="2147483648" r:id="rId1"/>
   </p:sldMasterIdLst>
   <p:notesMasterIdLst>
-    <p:notesMasterId r:id="rId8"/>
+    <p:notesMasterId r:id="rId9"/>
   </p:notesMasterIdLst>
   <p:handoutMasterIdLst>
-    <p:handoutMasterId r:id="rId9"/>
+    <p:handoutMasterId r:id="rId10"/>
   </p:handoutMasterIdLst>
   <p:sldIdLst>
     <p:sldId id="319" r:id="rId2"/>
@@ -17,6 +17,7 @@
     <p:sldId id="322" r:id="rId5"/>
     <p:sldId id="323" r:id="rId6"/>
     <p:sldId id="324" r:id="rId7"/>
+    <p:sldId id="325" r:id="rId8"/>
   </p:sldIdLst>
   <p:sldSz cx="9144000" cy="6858000" type="screen4x3"/>
   <p:notesSz cx="6858000" cy="9144000"/>
@@ -273,7 +274,7 @@
               <a:pPr>
                 <a:defRPr/>
               </a:pPr>
-              <a:t>2016/11/21</a:t>
+              <a:t>2016/11/22</a:t>
             </a:fld>
             <a:endParaRPr lang="zh-CN" altLang="en-US"/>
           </a:p>
@@ -452,7 +453,7 @@
             <a:fld id="{ECED0698-BD05-4639-9D81-B9F65B9CB3B9}" type="datetimeFigureOut">
               <a:rPr lang="zh-CN" altLang="en-US" smtClean="0"/>
               <a:pPr/>
-              <a:t>2016/11/21</a:t>
+              <a:t>2016/11/22</a:t>
             </a:fld>
             <a:endParaRPr lang="zh-CN" altLang="en-US"/>
           </a:p>
@@ -1574,7 +1575,7 @@
               <a:pPr>
                 <a:defRPr/>
               </a:pPr>
-              <a:t>2016/11/21</a:t>
+              <a:t>2016/11/22</a:t>
             </a:fld>
             <a:endParaRPr lang="zh-CN" altLang="en-US"/>
           </a:p>
@@ -18020,6 +18021,543 @@
 </p:sld>
 </file>
 
+<file path=ppt/slides/slide7.xml><?xml version="1.0" encoding="utf-8"?>
+<p:sld xmlns:a="http://schemas.openxmlformats.org/drawingml/2006/main" xmlns:r="http://schemas.openxmlformats.org/officeDocument/2006/relationships" xmlns:p="http://schemas.openxmlformats.org/presentationml/2006/main">
+  <p:cSld>
+    <p:spTree>
+      <p:nvGrpSpPr>
+        <p:cNvPr id="1" name=""/>
+        <p:cNvGrpSpPr/>
+        <p:nvPr/>
+      </p:nvGrpSpPr>
+      <p:grpSpPr>
+        <a:xfrm>
+          <a:off x="0" y="0"/>
+          <a:ext cx="0" cy="0"/>
+          <a:chOff x="0" y="0"/>
+          <a:chExt cx="0" cy="0"/>
+        </a:xfrm>
+      </p:grpSpPr>
+      <p:sp>
+        <p:nvSpPr>
+          <p:cNvPr id="32" name="AutoShape 6"/>
+          <p:cNvSpPr>
+            <a:spLocks noChangeArrowheads="1"/>
+          </p:cNvSpPr>
+          <p:nvPr/>
+        </p:nvSpPr>
+        <p:spPr bwMode="ltGray">
+          <a:xfrm>
+            <a:off x="1092442" y="2047875"/>
+            <a:ext cx="2057400" cy="574675"/>
+          </a:xfrm>
+          <a:prstGeom prst="roundRect">
+            <a:avLst>
+              <a:gd name="adj" fmla="val 50000"/>
+            </a:avLst>
+          </a:prstGeom>
+          <a:ln>
+            <a:headEnd/>
+            <a:tailEnd/>
+          </a:ln>
+        </p:spPr>
+        <p:style>
+          <a:lnRef idx="1">
+            <a:schemeClr val="accent1"/>
+          </a:lnRef>
+          <a:fillRef idx="3">
+            <a:schemeClr val="accent1"/>
+          </a:fillRef>
+          <a:effectRef idx="2">
+            <a:schemeClr val="accent1"/>
+          </a:effectRef>
+          <a:fontRef idx="minor">
+            <a:schemeClr val="lt1"/>
+          </a:fontRef>
+        </p:style>
+        <p:txBody>
+          <a:bodyPr wrap="none" anchor="ctr"/>
+          <a:lstStyle/>
+          <a:p>
+            <a:pPr algn="ctr" eaLnBrk="0" fontAlgn="auto" hangingPunct="0">
+              <a:spcBef>
+                <a:spcPts val="0"/>
+              </a:spcBef>
+              <a:spcAft>
+                <a:spcPts val="0"/>
+              </a:spcAft>
+              <a:defRPr/>
+            </a:pPr>
+            <a:r>
+              <a:rPr lang="en-US" altLang="zh-CN" sz="2000" b="1" dirty="0">
+                <a:solidFill>
+                  <a:schemeClr val="bg1"/>
+                </a:solidFill>
+              </a:rPr>
+              <a:t>Phase 1</a:t>
+            </a:r>
+          </a:p>
+        </p:txBody>
+      </p:sp>
+      <p:sp>
+        <p:nvSpPr>
+          <p:cNvPr id="33" name="AutoShape 7"/>
+          <p:cNvSpPr>
+            <a:spLocks noChangeArrowheads="1"/>
+          </p:cNvSpPr>
+          <p:nvPr/>
+        </p:nvSpPr>
+        <p:spPr bwMode="ltGray">
+          <a:xfrm>
+            <a:off x="3411780" y="2047875"/>
+            <a:ext cx="2057400" cy="574675"/>
+          </a:xfrm>
+          <a:prstGeom prst="roundRect">
+            <a:avLst>
+              <a:gd name="adj" fmla="val 50000"/>
+            </a:avLst>
+          </a:prstGeom>
+          <a:ln>
+            <a:headEnd/>
+            <a:tailEnd/>
+          </a:ln>
+        </p:spPr>
+        <p:style>
+          <a:lnRef idx="1">
+            <a:schemeClr val="accent2"/>
+          </a:lnRef>
+          <a:fillRef idx="3">
+            <a:schemeClr val="accent2"/>
+          </a:fillRef>
+          <a:effectRef idx="2">
+            <a:schemeClr val="accent2"/>
+          </a:effectRef>
+          <a:fontRef idx="minor">
+            <a:schemeClr val="lt1"/>
+          </a:fontRef>
+        </p:style>
+        <p:txBody>
+          <a:bodyPr wrap="none" anchor="ctr"/>
+          <a:lstStyle/>
+          <a:p>
+            <a:pPr algn="ctr" fontAlgn="auto">
+              <a:spcBef>
+                <a:spcPts val="0"/>
+              </a:spcBef>
+              <a:spcAft>
+                <a:spcPts val="0"/>
+              </a:spcAft>
+              <a:defRPr/>
+            </a:pPr>
+            <a:r>
+              <a:rPr lang="en-US" altLang="zh-CN" sz="2000" b="1" dirty="0">
+                <a:solidFill>
+                  <a:schemeClr val="bg1"/>
+                </a:solidFill>
+              </a:rPr>
+              <a:t>Phase 2</a:t>
+            </a:r>
+          </a:p>
+        </p:txBody>
+      </p:sp>
+      <p:sp>
+        <p:nvSpPr>
+          <p:cNvPr id="34" name="AutoShape 8"/>
+          <p:cNvSpPr>
+            <a:spLocks noChangeArrowheads="1"/>
+          </p:cNvSpPr>
+          <p:nvPr/>
+        </p:nvSpPr>
+        <p:spPr bwMode="ltGray">
+          <a:xfrm>
+            <a:off x="5740642" y="2047875"/>
+            <a:ext cx="2057400" cy="574675"/>
+          </a:xfrm>
+          <a:prstGeom prst="roundRect">
+            <a:avLst>
+              <a:gd name="adj" fmla="val 50000"/>
+            </a:avLst>
+          </a:prstGeom>
+          <a:ln>
+            <a:headEnd/>
+            <a:tailEnd/>
+          </a:ln>
+        </p:spPr>
+        <p:style>
+          <a:lnRef idx="1">
+            <a:schemeClr val="accent5"/>
+          </a:lnRef>
+          <a:fillRef idx="3">
+            <a:schemeClr val="accent5"/>
+          </a:fillRef>
+          <a:effectRef idx="2">
+            <a:schemeClr val="accent5"/>
+          </a:effectRef>
+          <a:fontRef idx="minor">
+            <a:schemeClr val="lt1"/>
+          </a:fontRef>
+        </p:style>
+        <p:txBody>
+          <a:bodyPr wrap="none" anchor="ctr"/>
+          <a:lstStyle/>
+          <a:p>
+            <a:pPr algn="ctr" fontAlgn="auto">
+              <a:spcBef>
+                <a:spcPts val="0"/>
+              </a:spcBef>
+              <a:spcAft>
+                <a:spcPts val="0"/>
+              </a:spcAft>
+              <a:defRPr/>
+            </a:pPr>
+            <a:r>
+              <a:rPr lang="en-US" altLang="zh-CN" sz="2000" b="1" dirty="0">
+                <a:solidFill>
+                  <a:schemeClr val="bg1"/>
+                </a:solidFill>
+              </a:rPr>
+              <a:t>Phase 3</a:t>
+            </a:r>
+          </a:p>
+        </p:txBody>
+      </p:sp>
+      <p:sp>
+        <p:nvSpPr>
+          <p:cNvPr id="35" name="圆角矩形 34"/>
+          <p:cNvSpPr/>
+          <p:nvPr/>
+        </p:nvSpPr>
+        <p:spPr>
+          <a:xfrm>
+            <a:off x="1097188" y="2857496"/>
+            <a:ext cx="2071702" cy="2428892"/>
+          </a:xfrm>
+          <a:prstGeom prst="roundRect">
+            <a:avLst>
+              <a:gd name="adj" fmla="val 7209"/>
+            </a:avLst>
+          </a:prstGeom>
+          <a:gradFill>
+            <a:gsLst>
+              <a:gs pos="0">
+                <a:schemeClr val="bg2">
+                  <a:lumMod val="50000"/>
+                </a:schemeClr>
+              </a:gs>
+              <a:gs pos="37000">
+                <a:schemeClr val="accent3">
+                  <a:lumMod val="20000"/>
+                  <a:lumOff val="80000"/>
+                </a:schemeClr>
+              </a:gs>
+              <a:gs pos="91000">
+                <a:schemeClr val="bg2">
+                  <a:lumMod val="50000"/>
+                </a:schemeClr>
+              </a:gs>
+            </a:gsLst>
+          </a:gradFill>
+          <a:ln>
+            <a:noFill/>
+            <a:headEnd/>
+            <a:tailEnd/>
+          </a:ln>
+          <a:effectLst>
+            <a:outerShdw blurRad="40000" dist="23000" dir="5400000" rotWithShape="0">
+              <a:srgbClr val="000000">
+                <a:alpha val="35000"/>
+              </a:srgbClr>
+            </a:outerShdw>
+            <a:reflection blurRad="6350" stA="52000" endA="300" endPos="35000" dir="5400000" sy="-100000" algn="bl" rotWithShape="0"/>
+          </a:effectLst>
+        </p:spPr>
+        <p:style>
+          <a:lnRef idx="1">
+            <a:schemeClr val="accent2"/>
+          </a:lnRef>
+          <a:fillRef idx="1002">
+            <a:schemeClr val="lt2"/>
+          </a:fillRef>
+          <a:effectRef idx="2">
+            <a:schemeClr val="accent2"/>
+          </a:effectRef>
+          <a:fontRef idx="minor">
+            <a:schemeClr val="lt1"/>
+          </a:fontRef>
+        </p:style>
+        <p:txBody>
+          <a:bodyPr wrap="none" anchor="ctr"/>
+          <a:lstStyle/>
+          <a:p>
+            <a:pPr fontAlgn="auto">
+              <a:spcBef>
+                <a:spcPts val="0"/>
+              </a:spcBef>
+              <a:spcAft>
+                <a:spcPts val="0"/>
+              </a:spcAft>
+              <a:defRPr/>
+            </a:pPr>
+            <a:r>
+              <a:rPr lang="en-US" altLang="zh-CN" dirty="0"/>
+              <a:t>Add your text</a:t>
+            </a:r>
+            <a:endParaRPr lang="zh-CN" altLang="en-US" dirty="0"/>
+          </a:p>
+        </p:txBody>
+      </p:sp>
+      <p:sp>
+        <p:nvSpPr>
+          <p:cNvPr id="36" name="圆角矩形 35"/>
+          <p:cNvSpPr/>
+          <p:nvPr/>
+        </p:nvSpPr>
+        <p:spPr>
+          <a:xfrm>
+            <a:off x="3454642" y="2857496"/>
+            <a:ext cx="2071702" cy="2428892"/>
+          </a:xfrm>
+          <a:prstGeom prst="roundRect">
+            <a:avLst>
+              <a:gd name="adj" fmla="val 7209"/>
+            </a:avLst>
+          </a:prstGeom>
+          <a:gradFill>
+            <a:gsLst>
+              <a:gs pos="0">
+                <a:schemeClr val="bg2">
+                  <a:lumMod val="50000"/>
+                </a:schemeClr>
+              </a:gs>
+              <a:gs pos="37000">
+                <a:schemeClr val="accent3">
+                  <a:lumMod val="20000"/>
+                  <a:lumOff val="80000"/>
+                </a:schemeClr>
+              </a:gs>
+              <a:gs pos="91000">
+                <a:schemeClr val="bg2">
+                  <a:lumMod val="50000"/>
+                </a:schemeClr>
+              </a:gs>
+            </a:gsLst>
+          </a:gradFill>
+          <a:ln>
+            <a:noFill/>
+            <a:headEnd/>
+            <a:tailEnd/>
+          </a:ln>
+          <a:effectLst>
+            <a:outerShdw blurRad="40000" dist="23000" dir="5400000" rotWithShape="0">
+              <a:srgbClr val="000000">
+                <a:alpha val="35000"/>
+              </a:srgbClr>
+            </a:outerShdw>
+            <a:reflection blurRad="6350" stA="52000" endA="300" endPos="35000" dir="5400000" sy="-100000" algn="bl" rotWithShape="0"/>
+          </a:effectLst>
+        </p:spPr>
+        <p:style>
+          <a:lnRef idx="1">
+            <a:schemeClr val="accent2"/>
+          </a:lnRef>
+          <a:fillRef idx="1002">
+            <a:schemeClr val="lt2"/>
+          </a:fillRef>
+          <a:effectRef idx="2">
+            <a:schemeClr val="accent2"/>
+          </a:effectRef>
+          <a:fontRef idx="minor">
+            <a:schemeClr val="lt1"/>
+          </a:fontRef>
+        </p:style>
+        <p:txBody>
+          <a:bodyPr wrap="none" anchor="ctr"/>
+          <a:lstStyle/>
+          <a:p>
+            <a:pPr fontAlgn="auto">
+              <a:spcBef>
+                <a:spcPts val="0"/>
+              </a:spcBef>
+              <a:spcAft>
+                <a:spcPts val="0"/>
+              </a:spcAft>
+              <a:defRPr/>
+            </a:pPr>
+            <a:r>
+              <a:rPr lang="en-US" altLang="zh-CN" dirty="0"/>
+              <a:t>Add your text</a:t>
+            </a:r>
+            <a:endParaRPr lang="zh-CN" altLang="en-US" dirty="0"/>
+          </a:p>
+        </p:txBody>
+      </p:sp>
+      <p:sp>
+        <p:nvSpPr>
+          <p:cNvPr id="37" name="圆角矩形 36"/>
+          <p:cNvSpPr/>
+          <p:nvPr/>
+        </p:nvSpPr>
+        <p:spPr>
+          <a:xfrm>
+            <a:off x="5740658" y="2857496"/>
+            <a:ext cx="2071702" cy="2428892"/>
+          </a:xfrm>
+          <a:prstGeom prst="roundRect">
+            <a:avLst>
+              <a:gd name="adj" fmla="val 7209"/>
+            </a:avLst>
+          </a:prstGeom>
+          <a:gradFill>
+            <a:gsLst>
+              <a:gs pos="0">
+                <a:schemeClr val="bg2">
+                  <a:lumMod val="50000"/>
+                </a:schemeClr>
+              </a:gs>
+              <a:gs pos="37000">
+                <a:schemeClr val="accent3">
+                  <a:lumMod val="20000"/>
+                  <a:lumOff val="80000"/>
+                </a:schemeClr>
+              </a:gs>
+              <a:gs pos="91000">
+                <a:schemeClr val="bg2">
+                  <a:lumMod val="50000"/>
+                </a:schemeClr>
+              </a:gs>
+            </a:gsLst>
+          </a:gradFill>
+          <a:ln>
+            <a:noFill/>
+            <a:headEnd/>
+            <a:tailEnd/>
+          </a:ln>
+          <a:effectLst>
+            <a:outerShdw blurRad="40000" dist="23000" dir="5400000" rotWithShape="0">
+              <a:srgbClr val="000000">
+                <a:alpha val="35000"/>
+              </a:srgbClr>
+            </a:outerShdw>
+            <a:reflection blurRad="6350" stA="52000" endA="300" endPos="35000" dir="5400000" sy="-100000" algn="bl" rotWithShape="0"/>
+          </a:effectLst>
+        </p:spPr>
+        <p:style>
+          <a:lnRef idx="1">
+            <a:schemeClr val="accent2"/>
+          </a:lnRef>
+          <a:fillRef idx="1002">
+            <a:schemeClr val="lt2"/>
+          </a:fillRef>
+          <a:effectRef idx="2">
+            <a:schemeClr val="accent2"/>
+          </a:effectRef>
+          <a:fontRef idx="minor">
+            <a:schemeClr val="lt1"/>
+          </a:fontRef>
+        </p:style>
+        <p:txBody>
+          <a:bodyPr wrap="none" anchor="ctr"/>
+          <a:lstStyle/>
+          <a:p>
+            <a:pPr fontAlgn="auto">
+              <a:spcBef>
+                <a:spcPts val="0"/>
+              </a:spcBef>
+              <a:spcAft>
+                <a:spcPts val="0"/>
+              </a:spcAft>
+              <a:defRPr/>
+            </a:pPr>
+            <a:r>
+              <a:rPr lang="en-US" altLang="zh-CN" dirty="0"/>
+              <a:t>Add your text</a:t>
+            </a:r>
+            <a:endParaRPr lang="zh-CN" altLang="en-US" dirty="0"/>
+          </a:p>
+        </p:txBody>
+      </p:sp>
+      <p:sp>
+        <p:nvSpPr>
+          <p:cNvPr id="38" name="流程图: 摘录 37"/>
+          <p:cNvSpPr/>
+          <p:nvPr/>
+        </p:nvSpPr>
+        <p:spPr>
+          <a:xfrm rot="5400000">
+            <a:off x="3142698" y="4883944"/>
+            <a:ext cx="350838" cy="298450"/>
+          </a:xfrm>
+          <a:prstGeom prst="flowChartExtract">
+            <a:avLst/>
+          </a:prstGeom>
+          <a:ln/>
+        </p:spPr>
+        <p:style>
+          <a:lnRef idx="1">
+            <a:schemeClr val="accent2"/>
+          </a:lnRef>
+          <a:fillRef idx="3">
+            <a:schemeClr val="accent2"/>
+          </a:fillRef>
+          <a:effectRef idx="2">
+            <a:schemeClr val="accent2"/>
+          </a:effectRef>
+          <a:fontRef idx="minor">
+            <a:schemeClr val="lt1"/>
+          </a:fontRef>
+        </p:style>
+      </p:sp>
+      <p:sp>
+        <p:nvSpPr>
+          <p:cNvPr id="39" name="流程图: 摘录 38"/>
+          <p:cNvSpPr/>
+          <p:nvPr/>
+        </p:nvSpPr>
+        <p:spPr>
+          <a:xfrm rot="5400000">
+            <a:off x="5500136" y="4915694"/>
+            <a:ext cx="350838" cy="298450"/>
+          </a:xfrm>
+          <a:prstGeom prst="flowChartExtract">
+            <a:avLst/>
+          </a:prstGeom>
+          <a:ln/>
+        </p:spPr>
+        <p:style>
+          <a:lnRef idx="1">
+            <a:schemeClr val="accent2"/>
+          </a:lnRef>
+          <a:fillRef idx="3">
+            <a:schemeClr val="accent2"/>
+          </a:fillRef>
+          <a:effectRef idx="2">
+            <a:schemeClr val="accent2"/>
+          </a:effectRef>
+          <a:fontRef idx="minor">
+            <a:schemeClr val="lt1"/>
+          </a:fontRef>
+        </p:style>
+      </p:sp>
+    </p:spTree>
+    <p:extLst>
+      <p:ext uri="{BB962C8B-B14F-4D97-AF65-F5344CB8AC3E}">
+        <p14:creationId xmlns:p14="http://schemas.microsoft.com/office/powerpoint/2010/main" val="3437180557"/>
+      </p:ext>
+    </p:extLst>
+  </p:cSld>
+  <p:clrMapOvr>
+    <a:masterClrMapping/>
+  </p:clrMapOvr>
+  <p:timing>
+    <p:tnLst>
+      <p:par>
+        <p:cTn id="1" dur="indefinite" restart="never" nodeType="tmRoot"/>
+      </p:par>
+    </p:tnLst>
+  </p:timing>
+</p:sld>
+</file>
+
 <file path=ppt/theme/theme1.xml><?xml version="1.0" encoding="utf-8"?>
 <a:theme xmlns:a="http://schemas.openxmlformats.org/drawingml/2006/main" name="第一PPT模板网：www.1ppt.com">
   <a:themeElements>
